--- a/포트폴리오 페이지 제작.pptx
+++ b/포트폴리오 페이지 제작.pptx
@@ -107,6 +107,11 @@
       </a:defRPr>
     </a:lvl9pPr>
   </p:defaultTextStyle>
+  <p:extLst>
+    <p:ext uri="{EFAFB233-063F-42B5-8137-9DF3F51BA10A}">
+      <p15:sldGuideLst xmlns:p15="http://schemas.microsoft.com/office/powerpoint/2012/main"/>
+    </p:ext>
+  </p:extLst>
 </p:presentation>
 </file>
 
@@ -7393,7 +7398,7 @@
         <p:spPr>
           <a:xfrm>
             <a:off x="989013" y="2711870"/>
-            <a:ext cx="6096000" cy="369332"/>
+            <a:ext cx="6096000" cy="646331"/>
           </a:xfrm>
           <a:prstGeom prst="rect">
             <a:avLst/>
@@ -7424,6 +7429,28 @@
             </a:r>
             <a:r>
               <a:rPr lang="en-US" altLang="ko-KR" sz="1800" dirty="0"/>
+              <a:t>.</a:t>
+            </a:r>
+          </a:p>
+          <a:p>
+            <a:r>
+              <a:rPr lang="en-US" altLang="ko-KR" dirty="0"/>
+              <a:t>*</a:t>
+            </a:r>
+            <a:r>
+              <a:rPr lang="ko-KR" altLang="en-US" dirty="0"/>
+              <a:t>색조합은 </a:t>
+            </a:r>
+            <a:r>
+              <a:rPr lang="en-US" altLang="ko-KR" dirty="0"/>
+              <a:t>paletton.com </a:t>
+            </a:r>
+            <a:r>
+              <a:rPr lang="ko-KR" altLang="en-US" dirty="0"/>
+              <a:t>에서 추출하였습니다</a:t>
+            </a:r>
+            <a:r>
+              <a:rPr lang="en-US" altLang="ko-KR"/>
               <a:t>.</a:t>
             </a:r>
             <a:endParaRPr lang="ko-KR" altLang="en-US" dirty="0"/>
